--- a/week2/William Morris Epic Story map with Sprint.pptx
+++ b/week2/William Morris Epic Story map with Sprint.pptx
@@ -168,7 +168,7 @@
           <a:noFill/>
           <a:extLst>
             <a:ext uri="{909E8E84-426E-40dd-AFC4-6F175D3DCCD1}">
-              <a14:hiddenFill xmlns:a14="http://schemas.microsoft.com/office/drawing/2010/main" xmlns="">
+              <a14:hiddenFill xmlns="" xmlns:a14="http://schemas.microsoft.com/office/drawing/2010/main">
                 <a:solidFill>
                   <a:srgbClr val="FFFFFF"/>
                 </a:solidFill>
@@ -228,7 +228,7 @@
             </a:ln>
             <a:extLst>
               <a:ext uri="{91240B29-F687-4f45-9708-019B960494DF}">
-                <a14:hiddenLine xmlns:a14="http://schemas.microsoft.com/office/drawing/2010/main" xmlns="" w="9525">
+                <a14:hiddenLine xmlns="" xmlns:a14="http://schemas.microsoft.com/office/drawing/2010/main" w="9525">
                   <a:solidFill>
                     <a:srgbClr val="000000"/>
                   </a:solidFill>
@@ -318,7 +318,7 @@
             </a:ln>
             <a:extLst>
               <a:ext uri="{91240B29-F687-4f45-9708-019B960494DF}">
-                <a14:hiddenLine xmlns:a14="http://schemas.microsoft.com/office/drawing/2010/main" xmlns="" w="9525">
+                <a14:hiddenLine xmlns="" xmlns:a14="http://schemas.microsoft.com/office/drawing/2010/main" w="9525">
                   <a:solidFill>
                     <a:srgbClr val="000000"/>
                   </a:solidFill>
@@ -408,7 +408,7 @@
             </a:ln>
             <a:extLst>
               <a:ext uri="{91240B29-F687-4f45-9708-019B960494DF}">
-                <a14:hiddenLine xmlns:a14="http://schemas.microsoft.com/office/drawing/2010/main" xmlns="" w="9525">
+                <a14:hiddenLine xmlns="" xmlns:a14="http://schemas.microsoft.com/office/drawing/2010/main" w="9525">
                   <a:solidFill>
                     <a:srgbClr val="000000"/>
                   </a:solidFill>
@@ -442,7 +442,7 @@
             </a:ln>
             <a:extLst>
               <a:ext uri="{91240B29-F687-4f45-9708-019B960494DF}">
-                <a14:hiddenLine xmlns:a14="http://schemas.microsoft.com/office/drawing/2010/main" xmlns="" w="9525">
+                <a14:hiddenLine xmlns="" xmlns:a14="http://schemas.microsoft.com/office/drawing/2010/main" w="9525">
                   <a:solidFill>
                     <a:srgbClr val="000000"/>
                   </a:solidFill>
@@ -532,7 +532,7 @@
             </a:ln>
             <a:extLst>
               <a:ext uri="{91240B29-F687-4f45-9708-019B960494DF}">
-                <a14:hiddenLine xmlns:a14="http://schemas.microsoft.com/office/drawing/2010/main" xmlns="" w="9525">
+                <a14:hiddenLine xmlns="" xmlns:a14="http://schemas.microsoft.com/office/drawing/2010/main" w="9525">
                   <a:solidFill>
                     <a:srgbClr val="000000"/>
                   </a:solidFill>
@@ -594,7 +594,7 @@
             </a:ln>
             <a:extLst>
               <a:ext uri="{91240B29-F687-4f45-9708-019B960494DF}">
-                <a14:hiddenLine xmlns:a14="http://schemas.microsoft.com/office/drawing/2010/main" xmlns="" w="9525">
+                <a14:hiddenLine xmlns="" xmlns:a14="http://schemas.microsoft.com/office/drawing/2010/main" w="9525">
                   <a:solidFill>
                     <a:srgbClr val="000000"/>
                   </a:solidFill>
@@ -656,7 +656,7 @@
             </a:ln>
             <a:extLst>
               <a:ext uri="{91240B29-F687-4f45-9708-019B960494DF}">
-                <a14:hiddenLine xmlns:a14="http://schemas.microsoft.com/office/drawing/2010/main" xmlns="" w="9525">
+                <a14:hiddenLine xmlns="" xmlns:a14="http://schemas.microsoft.com/office/drawing/2010/main" w="9525">
                   <a:solidFill>
                     <a:srgbClr val="000000"/>
                   </a:solidFill>
@@ -746,7 +746,7 @@
             </a:ln>
             <a:extLst>
               <a:ext uri="{91240B29-F687-4f45-9708-019B960494DF}">
-                <a14:hiddenLine xmlns:a14="http://schemas.microsoft.com/office/drawing/2010/main" xmlns="" w="9525">
+                <a14:hiddenLine xmlns="" xmlns:a14="http://schemas.microsoft.com/office/drawing/2010/main" w="9525">
                   <a:solidFill>
                     <a:srgbClr val="000000"/>
                   </a:solidFill>
@@ -808,7 +808,7 @@
             </a:ln>
             <a:extLst>
               <a:ext uri="{91240B29-F687-4f45-9708-019B960494DF}">
-                <a14:hiddenLine xmlns:a14="http://schemas.microsoft.com/office/drawing/2010/main" xmlns="" w="9525">
+                <a14:hiddenLine xmlns="" xmlns:a14="http://schemas.microsoft.com/office/drawing/2010/main" w="9525">
                   <a:solidFill>
                     <a:srgbClr val="000000"/>
                   </a:solidFill>
@@ -870,7 +870,7 @@
             </a:ln>
             <a:extLst>
               <a:ext uri="{91240B29-F687-4f45-9708-019B960494DF}">
-                <a14:hiddenLine xmlns:a14="http://schemas.microsoft.com/office/drawing/2010/main" xmlns="" w="9525">
+                <a14:hiddenLine xmlns="" xmlns:a14="http://schemas.microsoft.com/office/drawing/2010/main" w="9525">
                   <a:solidFill>
                     <a:srgbClr val="000000"/>
                   </a:solidFill>
@@ -960,7 +960,7 @@
             </a:ln>
             <a:extLst>
               <a:ext uri="{91240B29-F687-4f45-9708-019B960494DF}">
-                <a14:hiddenLine xmlns:a14="http://schemas.microsoft.com/office/drawing/2010/main" xmlns="" w="9525">
+                <a14:hiddenLine xmlns="" xmlns:a14="http://schemas.microsoft.com/office/drawing/2010/main" w="9525">
                   <a:solidFill>
                     <a:srgbClr val="000000"/>
                   </a:solidFill>
@@ -1050,7 +1050,7 @@
             </a:ln>
             <a:extLst>
               <a:ext uri="{91240B29-F687-4f45-9708-019B960494DF}">
-                <a14:hiddenLine xmlns:a14="http://schemas.microsoft.com/office/drawing/2010/main" xmlns="" w="9525">
+                <a14:hiddenLine xmlns="" xmlns:a14="http://schemas.microsoft.com/office/drawing/2010/main" w="9525">
                   <a:solidFill>
                     <a:srgbClr val="000000"/>
                   </a:solidFill>
@@ -1112,7 +1112,7 @@
             </a:ln>
             <a:extLst>
               <a:ext uri="{91240B29-F687-4f45-9708-019B960494DF}">
-                <a14:hiddenLine xmlns:a14="http://schemas.microsoft.com/office/drawing/2010/main" xmlns="" w="9525">
+                <a14:hiddenLine xmlns="" xmlns:a14="http://schemas.microsoft.com/office/drawing/2010/main" w="9525">
                   <a:solidFill>
                     <a:srgbClr val="000000"/>
                   </a:solidFill>
@@ -1222,7 +1222,7 @@
             </a:ln>
             <a:extLst>
               <a:ext uri="{91240B29-F687-4f45-9708-019B960494DF}">
-                <a14:hiddenLine xmlns:a14="http://schemas.microsoft.com/office/drawing/2010/main" xmlns="" w="9525">
+                <a14:hiddenLine xmlns="" xmlns:a14="http://schemas.microsoft.com/office/drawing/2010/main" w="9525">
                   <a:solidFill>
                     <a:srgbClr val="000000"/>
                   </a:solidFill>
@@ -1284,7 +1284,7 @@
             </a:ln>
             <a:extLst>
               <a:ext uri="{91240B29-F687-4f45-9708-019B960494DF}">
-                <a14:hiddenLine xmlns:a14="http://schemas.microsoft.com/office/drawing/2010/main" xmlns="" w="9525">
+                <a14:hiddenLine xmlns="" xmlns:a14="http://schemas.microsoft.com/office/drawing/2010/main" w="9525">
                   <a:solidFill>
                     <a:srgbClr val="000000"/>
                   </a:solidFill>
@@ -1374,7 +1374,7 @@
             </a:ln>
             <a:extLst>
               <a:ext uri="{91240B29-F687-4f45-9708-019B960494DF}">
-                <a14:hiddenLine xmlns:a14="http://schemas.microsoft.com/office/drawing/2010/main" xmlns="" w="9525">
+                <a14:hiddenLine xmlns="" xmlns:a14="http://schemas.microsoft.com/office/drawing/2010/main" w="9525">
                   <a:solidFill>
                     <a:srgbClr val="000000"/>
                   </a:solidFill>
@@ -1464,7 +1464,7 @@
             </a:ln>
             <a:extLst>
               <a:ext uri="{91240B29-F687-4f45-9708-019B960494DF}">
-                <a14:hiddenLine xmlns:a14="http://schemas.microsoft.com/office/drawing/2010/main" xmlns="" w="9525">
+                <a14:hiddenLine xmlns="" xmlns:a14="http://schemas.microsoft.com/office/drawing/2010/main" w="9525">
                   <a:solidFill>
                     <a:srgbClr val="000000"/>
                   </a:solidFill>
@@ -1526,7 +1526,7 @@
             </a:ln>
             <a:extLst>
               <a:ext uri="{91240B29-F687-4f45-9708-019B960494DF}">
-                <a14:hiddenLine xmlns:a14="http://schemas.microsoft.com/office/drawing/2010/main" xmlns="" w="9525">
+                <a14:hiddenLine xmlns="" xmlns:a14="http://schemas.microsoft.com/office/drawing/2010/main" w="9525">
                   <a:solidFill>
                     <a:srgbClr val="000000"/>
                   </a:solidFill>
@@ -1616,7 +1616,7 @@
             </a:ln>
             <a:extLst>
               <a:ext uri="{91240B29-F687-4f45-9708-019B960494DF}">
-                <a14:hiddenLine xmlns:a14="http://schemas.microsoft.com/office/drawing/2010/main" xmlns="" w="9525">
+                <a14:hiddenLine xmlns="" xmlns:a14="http://schemas.microsoft.com/office/drawing/2010/main" w="9525">
                   <a:solidFill>
                     <a:srgbClr val="000000"/>
                   </a:solidFill>
@@ -1706,7 +1706,7 @@
             </a:ln>
             <a:extLst>
               <a:ext uri="{91240B29-F687-4f45-9708-019B960494DF}">
-                <a14:hiddenLine xmlns:a14="http://schemas.microsoft.com/office/drawing/2010/main" xmlns="" w="9525">
+                <a14:hiddenLine xmlns="" xmlns:a14="http://schemas.microsoft.com/office/drawing/2010/main" w="9525">
                   <a:solidFill>
                     <a:srgbClr val="000000"/>
                   </a:solidFill>
@@ -1762,7 +1762,7 @@
             </a:ln>
             <a:extLst>
               <a:ext uri="{91240B29-F687-4f45-9708-019B960494DF}">
-                <a14:hiddenLine xmlns:a14="http://schemas.microsoft.com/office/drawing/2010/main" xmlns="" w="9525">
+                <a14:hiddenLine xmlns="" xmlns:a14="http://schemas.microsoft.com/office/drawing/2010/main" w="9525">
                   <a:solidFill>
                     <a:srgbClr val="000000"/>
                   </a:solidFill>
@@ -1852,7 +1852,7 @@
             </a:ln>
             <a:extLst>
               <a:ext uri="{91240B29-F687-4f45-9708-019B960494DF}">
-                <a14:hiddenLine xmlns:a14="http://schemas.microsoft.com/office/drawing/2010/main" xmlns="" w="9525">
+                <a14:hiddenLine xmlns="" xmlns:a14="http://schemas.microsoft.com/office/drawing/2010/main" w="9525">
                   <a:solidFill>
                     <a:srgbClr val="000000"/>
                   </a:solidFill>
@@ -1908,7 +1908,7 @@
             </a:ln>
             <a:extLst>
               <a:ext uri="{91240B29-F687-4f45-9708-019B960494DF}">
-                <a14:hiddenLine xmlns:a14="http://schemas.microsoft.com/office/drawing/2010/main" xmlns="" w="9525">
+                <a14:hiddenLine xmlns="" xmlns:a14="http://schemas.microsoft.com/office/drawing/2010/main" w="9525">
                   <a:solidFill>
                     <a:srgbClr val="000000"/>
                   </a:solidFill>
@@ -1998,7 +1998,7 @@
             </a:ln>
             <a:extLst>
               <a:ext uri="{91240B29-F687-4f45-9708-019B960494DF}">
-                <a14:hiddenLine xmlns:a14="http://schemas.microsoft.com/office/drawing/2010/main" xmlns="" w="9525">
+                <a14:hiddenLine xmlns="" xmlns:a14="http://schemas.microsoft.com/office/drawing/2010/main" w="9525">
                   <a:solidFill>
                     <a:srgbClr val="000000"/>
                   </a:solidFill>
@@ -2066,7 +2066,7 @@
             </a:ln>
             <a:extLst>
               <a:ext uri="{91240B29-F687-4f45-9708-019B960494DF}">
-                <a14:hiddenLine xmlns:a14="http://schemas.microsoft.com/office/drawing/2010/main" xmlns="" w="9525">
+                <a14:hiddenLine xmlns="" xmlns:a14="http://schemas.microsoft.com/office/drawing/2010/main" w="9525">
                   <a:solidFill>
                     <a:srgbClr val="000000"/>
                   </a:solidFill>
@@ -2156,7 +2156,7 @@
             </a:ln>
             <a:extLst>
               <a:ext uri="{91240B29-F687-4f45-9708-019B960494DF}">
-                <a14:hiddenLine xmlns:a14="http://schemas.microsoft.com/office/drawing/2010/main" xmlns="" w="9525">
+                <a14:hiddenLine xmlns="" xmlns:a14="http://schemas.microsoft.com/office/drawing/2010/main" w="9525">
                   <a:solidFill>
                     <a:srgbClr val="000000"/>
                   </a:solidFill>
@@ -2224,7 +2224,7 @@
             </a:ln>
             <a:extLst>
               <a:ext uri="{91240B29-F687-4f45-9708-019B960494DF}">
-                <a14:hiddenLine xmlns:a14="http://schemas.microsoft.com/office/drawing/2010/main" xmlns="" w="9525">
+                <a14:hiddenLine xmlns="" xmlns:a14="http://schemas.microsoft.com/office/drawing/2010/main" w="9525">
                   <a:solidFill>
                     <a:srgbClr val="000000"/>
                   </a:solidFill>
@@ -2314,7 +2314,7 @@
             </a:ln>
             <a:extLst>
               <a:ext uri="{91240B29-F687-4f45-9708-019B960494DF}">
-                <a14:hiddenLine xmlns:a14="http://schemas.microsoft.com/office/drawing/2010/main" xmlns="" w="9525">
+                <a14:hiddenLine xmlns="" xmlns:a14="http://schemas.microsoft.com/office/drawing/2010/main" w="9525">
                   <a:solidFill>
                     <a:srgbClr val="000000"/>
                   </a:solidFill>
@@ -2348,7 +2348,7 @@
             </a:ln>
             <a:extLst>
               <a:ext uri="{91240B29-F687-4f45-9708-019B960494DF}">
-                <a14:hiddenLine xmlns:a14="http://schemas.microsoft.com/office/drawing/2010/main" xmlns="" w="9525">
+                <a14:hiddenLine xmlns="" xmlns:a14="http://schemas.microsoft.com/office/drawing/2010/main" w="9525">
                   <a:solidFill>
                     <a:srgbClr val="000000"/>
                   </a:solidFill>
@@ -2438,7 +2438,7 @@
             </a:ln>
             <a:extLst>
               <a:ext uri="{91240B29-F687-4f45-9708-019B960494DF}">
-                <a14:hiddenLine xmlns:a14="http://schemas.microsoft.com/office/drawing/2010/main" xmlns="" w="9525">
+                <a14:hiddenLine xmlns="" xmlns:a14="http://schemas.microsoft.com/office/drawing/2010/main" w="9525">
                   <a:solidFill>
                     <a:srgbClr val="000000"/>
                   </a:solidFill>
@@ -2500,7 +2500,7 @@
             </a:ln>
             <a:extLst>
               <a:ext uri="{91240B29-F687-4f45-9708-019B960494DF}">
-                <a14:hiddenLine xmlns:a14="http://schemas.microsoft.com/office/drawing/2010/main" xmlns="" w="9525">
+                <a14:hiddenLine xmlns="" xmlns:a14="http://schemas.microsoft.com/office/drawing/2010/main" w="9525">
                   <a:solidFill>
                     <a:srgbClr val="000000"/>
                   </a:solidFill>
@@ -2562,7 +2562,7 @@
             </a:ln>
             <a:extLst>
               <a:ext uri="{91240B29-F687-4f45-9708-019B960494DF}">
-                <a14:hiddenLine xmlns:a14="http://schemas.microsoft.com/office/drawing/2010/main" xmlns="" w="9525">
+                <a14:hiddenLine xmlns="" xmlns:a14="http://schemas.microsoft.com/office/drawing/2010/main" w="9525">
                   <a:solidFill>
                     <a:srgbClr val="000000"/>
                   </a:solidFill>
@@ -2652,7 +2652,7 @@
             </a:ln>
             <a:extLst>
               <a:ext uri="{91240B29-F687-4f45-9708-019B960494DF}">
-                <a14:hiddenLine xmlns:a14="http://schemas.microsoft.com/office/drawing/2010/main" xmlns="" w="9525">
+                <a14:hiddenLine xmlns="" xmlns:a14="http://schemas.microsoft.com/office/drawing/2010/main" w="9525">
                   <a:solidFill>
                     <a:srgbClr val="000000"/>
                   </a:solidFill>
@@ -2720,7 +2720,7 @@
             </a:ln>
             <a:extLst>
               <a:ext uri="{91240B29-F687-4f45-9708-019B960494DF}">
-                <a14:hiddenLine xmlns:a14="http://schemas.microsoft.com/office/drawing/2010/main" xmlns="" w="9525">
+                <a14:hiddenLine xmlns="" xmlns:a14="http://schemas.microsoft.com/office/drawing/2010/main" w="9525">
                   <a:solidFill>
                     <a:srgbClr val="000000"/>
                   </a:solidFill>
@@ -2782,7 +2782,7 @@
             </a:ln>
             <a:extLst>
               <a:ext uri="{91240B29-F687-4f45-9708-019B960494DF}">
-                <a14:hiddenLine xmlns:a14="http://schemas.microsoft.com/office/drawing/2010/main" xmlns="" w="9525">
+                <a14:hiddenLine xmlns="" xmlns:a14="http://schemas.microsoft.com/office/drawing/2010/main" w="9525">
                   <a:solidFill>
                     <a:srgbClr val="000000"/>
                   </a:solidFill>
@@ -2872,7 +2872,7 @@
             </a:ln>
             <a:extLst>
               <a:ext uri="{91240B29-F687-4f45-9708-019B960494DF}">
-                <a14:hiddenLine xmlns:a14="http://schemas.microsoft.com/office/drawing/2010/main" xmlns="" w="9525">
+                <a14:hiddenLine xmlns="" xmlns:a14="http://schemas.microsoft.com/office/drawing/2010/main" w="9525">
                   <a:solidFill>
                     <a:srgbClr val="000000"/>
                   </a:solidFill>
@@ -2934,7 +2934,7 @@
             </a:ln>
             <a:extLst>
               <a:ext uri="{91240B29-F687-4f45-9708-019B960494DF}">
-                <a14:hiddenLine xmlns:a14="http://schemas.microsoft.com/office/drawing/2010/main" xmlns="" w="9525">
+                <a14:hiddenLine xmlns="" xmlns:a14="http://schemas.microsoft.com/office/drawing/2010/main" w="9525">
                   <a:solidFill>
                     <a:srgbClr val="000000"/>
                   </a:solidFill>
@@ -3024,7 +3024,7 @@
             </a:ln>
             <a:extLst>
               <a:ext uri="{91240B29-F687-4f45-9708-019B960494DF}">
-                <a14:hiddenLine xmlns:a14="http://schemas.microsoft.com/office/drawing/2010/main" xmlns="" w="9525">
+                <a14:hiddenLine xmlns="" xmlns:a14="http://schemas.microsoft.com/office/drawing/2010/main" w="9525">
                   <a:solidFill>
                     <a:srgbClr val="000000"/>
                   </a:solidFill>
@@ -3086,7 +3086,7 @@
             </a:ln>
             <a:extLst>
               <a:ext uri="{91240B29-F687-4f45-9708-019B960494DF}">
-                <a14:hiddenLine xmlns:a14="http://schemas.microsoft.com/office/drawing/2010/main" xmlns="" w="9525">
+                <a14:hiddenLine xmlns="" xmlns:a14="http://schemas.microsoft.com/office/drawing/2010/main" w="9525">
                   <a:solidFill>
                     <a:srgbClr val="000000"/>
                   </a:solidFill>
@@ -3176,7 +3176,7 @@
             </a:ln>
             <a:extLst>
               <a:ext uri="{91240B29-F687-4f45-9708-019B960494DF}">
-                <a14:hiddenLine xmlns:a14="http://schemas.microsoft.com/office/drawing/2010/main" xmlns="" w="9525">
+                <a14:hiddenLine xmlns="" xmlns:a14="http://schemas.microsoft.com/office/drawing/2010/main" w="9525">
                   <a:solidFill>
                     <a:srgbClr val="000000"/>
                   </a:solidFill>
@@ -3210,7 +3210,7 @@
             </a:ln>
             <a:extLst>
               <a:ext uri="{91240B29-F687-4f45-9708-019B960494DF}">
-                <a14:hiddenLine xmlns:a14="http://schemas.microsoft.com/office/drawing/2010/main" xmlns="" w="9525">
+                <a14:hiddenLine xmlns="" xmlns:a14="http://schemas.microsoft.com/office/drawing/2010/main" w="9525">
                   <a:solidFill>
                     <a:srgbClr val="000000"/>
                   </a:solidFill>
@@ -3275,7 +3275,7 @@
             </a:ln>
             <a:extLst>
               <a:ext uri="{91240B29-F687-4f45-9708-019B960494DF}">
-                <a14:hiddenLine xmlns:a14="http://schemas.microsoft.com/office/drawing/2010/main" xmlns="" w="9525">
+                <a14:hiddenLine xmlns="" xmlns:a14="http://schemas.microsoft.com/office/drawing/2010/main" w="9525">
                   <a:solidFill>
                     <a:srgbClr val="000000"/>
                   </a:solidFill>
@@ -3365,7 +3365,7 @@
             </a:ln>
             <a:extLst>
               <a:ext uri="{91240B29-F687-4f45-9708-019B960494DF}">
-                <a14:hiddenLine xmlns:a14="http://schemas.microsoft.com/office/drawing/2010/main" xmlns="" w="9525">
+                <a14:hiddenLine xmlns="" xmlns:a14="http://schemas.microsoft.com/office/drawing/2010/main" w="9525">
                   <a:solidFill>
                     <a:srgbClr val="000000"/>
                   </a:solidFill>
@@ -3427,7 +3427,7 @@
             </a:ln>
             <a:extLst>
               <a:ext uri="{91240B29-F687-4f45-9708-019B960494DF}">
-                <a14:hiddenLine xmlns:a14="http://schemas.microsoft.com/office/drawing/2010/main" xmlns="" w="9525">
+                <a14:hiddenLine xmlns="" xmlns:a14="http://schemas.microsoft.com/office/drawing/2010/main" w="9525">
                   <a:solidFill>
                     <a:srgbClr val="000000"/>
                   </a:solidFill>
@@ -3517,7 +3517,7 @@
             </a:ln>
             <a:extLst>
               <a:ext uri="{91240B29-F687-4f45-9708-019B960494DF}">
-                <a14:hiddenLine xmlns:a14="http://schemas.microsoft.com/office/drawing/2010/main" xmlns="" w="9525">
+                <a14:hiddenLine xmlns="" xmlns:a14="http://schemas.microsoft.com/office/drawing/2010/main" w="9525">
                   <a:solidFill>
                     <a:srgbClr val="000000"/>
                   </a:solidFill>
@@ -3607,7 +3607,7 @@
             </a:ln>
             <a:extLst>
               <a:ext uri="{91240B29-F687-4f45-9708-019B960494DF}">
-                <a14:hiddenLine xmlns:a14="http://schemas.microsoft.com/office/drawing/2010/main" xmlns="" w="9525">
+                <a14:hiddenLine xmlns="" xmlns:a14="http://schemas.microsoft.com/office/drawing/2010/main" w="9525">
                   <a:solidFill>
                     <a:srgbClr val="000000"/>
                   </a:solidFill>
@@ -3672,7 +3672,7 @@
             </a:ln>
             <a:extLst>
               <a:ext uri="{91240B29-F687-4f45-9708-019B960494DF}">
-                <a14:hiddenLine xmlns:a14="http://schemas.microsoft.com/office/drawing/2010/main" xmlns="" w="9525">
+                <a14:hiddenLine xmlns="" xmlns:a14="http://schemas.microsoft.com/office/drawing/2010/main" w="9525">
                   <a:solidFill>
                     <a:srgbClr val="000000"/>
                   </a:solidFill>
@@ -3734,7 +3734,7 @@
             </a:ln>
             <a:extLst>
               <a:ext uri="{91240B29-F687-4f45-9708-019B960494DF}">
-                <a14:hiddenLine xmlns:a14="http://schemas.microsoft.com/office/drawing/2010/main" xmlns="" w="9525">
+                <a14:hiddenLine xmlns="" xmlns:a14="http://schemas.microsoft.com/office/drawing/2010/main" w="9525">
                   <a:solidFill>
                     <a:srgbClr val="000000"/>
                   </a:solidFill>
@@ -3824,7 +3824,7 @@
             </a:ln>
             <a:extLst>
               <a:ext uri="{91240B29-F687-4f45-9708-019B960494DF}">
-                <a14:hiddenLine xmlns:a14="http://schemas.microsoft.com/office/drawing/2010/main" xmlns="" w="9525">
+                <a14:hiddenLine xmlns="" xmlns:a14="http://schemas.microsoft.com/office/drawing/2010/main" w="9525">
                   <a:solidFill>
                     <a:srgbClr val="000000"/>
                   </a:solidFill>
@@ -3914,7 +3914,7 @@
             </a:ln>
             <a:extLst>
               <a:ext uri="{91240B29-F687-4f45-9708-019B960494DF}">
-                <a14:hiddenLine xmlns:a14="http://schemas.microsoft.com/office/drawing/2010/main" xmlns="" w="9525">
+                <a14:hiddenLine xmlns="" xmlns:a14="http://schemas.microsoft.com/office/drawing/2010/main" w="9525">
                   <a:solidFill>
                     <a:srgbClr val="000000"/>
                   </a:solidFill>
@@ -3976,7 +3976,7 @@
             </a:ln>
             <a:extLst>
               <a:ext uri="{91240B29-F687-4f45-9708-019B960494DF}">
-                <a14:hiddenLine xmlns:a14="http://schemas.microsoft.com/office/drawing/2010/main" xmlns="" w="9525">
+                <a14:hiddenLine xmlns="" xmlns:a14="http://schemas.microsoft.com/office/drawing/2010/main" w="9525">
                   <a:solidFill>
                     <a:srgbClr val="000000"/>
                   </a:solidFill>
@@ -4096,7 +4096,7 @@
             </a:ln>
             <a:extLst>
               <a:ext uri="{91240B29-F687-4f45-9708-019B960494DF}">
-                <a14:hiddenLine xmlns:a14="http://schemas.microsoft.com/office/drawing/2010/main" xmlns="" w="9525">
+                <a14:hiddenLine xmlns="" xmlns:a14="http://schemas.microsoft.com/office/drawing/2010/main" w="9525">
                   <a:solidFill>
                     <a:srgbClr val="000000"/>
                   </a:solidFill>
@@ -4164,7 +4164,7 @@
             </a:ln>
             <a:extLst>
               <a:ext uri="{91240B29-F687-4f45-9708-019B960494DF}">
-                <a14:hiddenLine xmlns:a14="http://schemas.microsoft.com/office/drawing/2010/main" xmlns="" w="9525">
+                <a14:hiddenLine xmlns="" xmlns:a14="http://schemas.microsoft.com/office/drawing/2010/main" w="9525">
                   <a:solidFill>
                     <a:srgbClr val="000000"/>
                   </a:solidFill>
@@ -4254,7 +4254,7 @@
             </a:ln>
             <a:extLst>
               <a:ext uri="{91240B29-F687-4f45-9708-019B960494DF}">
-                <a14:hiddenLine xmlns:a14="http://schemas.microsoft.com/office/drawing/2010/main" xmlns="" w="9525">
+                <a14:hiddenLine xmlns="" xmlns:a14="http://schemas.microsoft.com/office/drawing/2010/main" w="9525">
                   <a:solidFill>
                     <a:srgbClr val="000000"/>
                   </a:solidFill>
@@ -4394,7 +4394,7 @@
           <a:p>
             <a:fld id="{48A87A34-81AB-432B-8DAE-1953F412C126}" type="datetimeFigureOut">
               <a:rPr lang="en-US" dirty="0"/>
-              <a:t>3/26/2021</a:t>
+              <a:t>3/26/21</a:t>
             </a:fld>
             <a:endParaRPr lang="en-US" dirty="0"/>
           </a:p>
@@ -4656,7 +4656,7 @@
           <a:p>
             <a:fld id="{48A87A34-81AB-432B-8DAE-1953F412C126}" type="datetimeFigureOut">
               <a:rPr lang="en-US" dirty="0"/>
-              <a:t>3/26/2021</a:t>
+              <a:t>3/26/21</a:t>
             </a:fld>
             <a:endParaRPr lang="en-US" dirty="0"/>
           </a:p>
@@ -4847,7 +4847,7 @@
           <a:p>
             <a:fld id="{48A87A34-81AB-432B-8DAE-1953F412C126}" type="datetimeFigureOut">
               <a:rPr lang="en-US" dirty="0"/>
-              <a:t>3/26/2021</a:t>
+              <a:t>3/26/21</a:t>
             </a:fld>
             <a:endParaRPr lang="en-US" dirty="0"/>
           </a:p>
@@ -5105,7 +5105,7 @@
           <a:p>
             <a:fld id="{48A87A34-81AB-432B-8DAE-1953F412C126}" type="datetimeFigureOut">
               <a:rPr lang="en-US" dirty="0"/>
-              <a:t>3/26/2021</a:t>
+              <a:t>3/26/21</a:t>
             </a:fld>
             <a:endParaRPr lang="en-US" dirty="0"/>
           </a:p>
@@ -5534,7 +5534,7 @@
           <a:p>
             <a:fld id="{48A87A34-81AB-432B-8DAE-1953F412C126}" type="datetimeFigureOut">
               <a:rPr lang="en-US" dirty="0"/>
-              <a:t>3/26/2021</a:t>
+              <a:t>3/26/21</a:t>
             </a:fld>
             <a:endParaRPr lang="en-US" dirty="0"/>
           </a:p>
@@ -6075,7 +6075,7 @@
           <a:p>
             <a:fld id="{48A87A34-81AB-432B-8DAE-1953F412C126}" type="datetimeFigureOut">
               <a:rPr lang="en-US" dirty="0"/>
-              <a:t>3/26/2021</a:t>
+              <a:t>3/26/21</a:t>
             </a:fld>
             <a:endParaRPr lang="en-US" dirty="0"/>
           </a:p>
@@ -6790,7 +6790,7 @@
           <a:p>
             <a:fld id="{48A87A34-81AB-432B-8DAE-1953F412C126}" type="datetimeFigureOut">
               <a:rPr lang="en-US" dirty="0"/>
-              <a:t>3/26/2021</a:t>
+              <a:t>3/26/21</a:t>
             </a:fld>
             <a:endParaRPr lang="en-US" dirty="0"/>
           </a:p>
@@ -6955,7 +6955,7 @@
           <a:p>
             <a:fld id="{48A87A34-81AB-432B-8DAE-1953F412C126}" type="datetimeFigureOut">
               <a:rPr lang="en-US" dirty="0"/>
-              <a:t>3/26/2021</a:t>
+              <a:t>3/26/21</a:t>
             </a:fld>
             <a:endParaRPr lang="en-US" dirty="0"/>
           </a:p>
@@ -7130,7 +7130,7 @@
           <a:p>
             <a:fld id="{48A87A34-81AB-432B-8DAE-1953F412C126}" type="datetimeFigureOut">
               <a:rPr lang="en-US" dirty="0"/>
-              <a:t>3/26/2021</a:t>
+              <a:t>3/26/21</a:t>
             </a:fld>
             <a:endParaRPr lang="en-US" dirty="0"/>
           </a:p>
@@ -7295,7 +7295,7 @@
           <a:p>
             <a:fld id="{48A87A34-81AB-432B-8DAE-1953F412C126}" type="datetimeFigureOut">
               <a:rPr lang="en-US" dirty="0"/>
-              <a:t>3/26/2021</a:t>
+              <a:t>3/26/21</a:t>
             </a:fld>
             <a:endParaRPr lang="en-US" dirty="0"/>
           </a:p>
@@ -7540,7 +7540,7 @@
           <a:p>
             <a:fld id="{48A87A34-81AB-432B-8DAE-1953F412C126}" type="datetimeFigureOut">
               <a:rPr lang="en-US" dirty="0"/>
-              <a:t>3/26/2021</a:t>
+              <a:t>3/26/21</a:t>
             </a:fld>
             <a:endParaRPr lang="en-US" dirty="0"/>
           </a:p>
@@ -7767,7 +7767,7 @@
           <a:p>
             <a:fld id="{48A87A34-81AB-432B-8DAE-1953F412C126}" type="datetimeFigureOut">
               <a:rPr lang="en-US" dirty="0"/>
-              <a:t>3/26/2021</a:t>
+              <a:t>3/26/21</a:t>
             </a:fld>
             <a:endParaRPr lang="en-US" dirty="0"/>
           </a:p>
@@ -8143,7 +8143,7 @@
           <a:p>
             <a:fld id="{48A87A34-81AB-432B-8DAE-1953F412C126}" type="datetimeFigureOut">
               <a:rPr lang="en-US" dirty="0"/>
-              <a:t>3/26/2021</a:t>
+              <a:t>3/26/21</a:t>
             </a:fld>
             <a:endParaRPr lang="en-US" dirty="0"/>
           </a:p>
@@ -8256,7 +8256,7 @@
           <a:p>
             <a:fld id="{48A87A34-81AB-432B-8DAE-1953F412C126}" type="datetimeFigureOut">
               <a:rPr lang="en-US" dirty="0"/>
-              <a:t>3/26/2021</a:t>
+              <a:t>3/26/21</a:t>
             </a:fld>
             <a:endParaRPr lang="en-US" dirty="0"/>
           </a:p>
@@ -8346,7 +8346,7 @@
           <a:p>
             <a:fld id="{48A87A34-81AB-432B-8DAE-1953F412C126}" type="datetimeFigureOut">
               <a:rPr lang="en-US" dirty="0"/>
-              <a:t>3/26/2021</a:t>
+              <a:t>3/26/21</a:t>
             </a:fld>
             <a:endParaRPr lang="en-US" dirty="0"/>
           </a:p>
@@ -8590,7 +8590,7 @@
           <a:p>
             <a:fld id="{48A87A34-81AB-432B-8DAE-1953F412C126}" type="datetimeFigureOut">
               <a:rPr lang="en-US" dirty="0"/>
-              <a:t>3/26/2021</a:t>
+              <a:t>3/26/21</a:t>
             </a:fld>
             <a:endParaRPr lang="en-US" dirty="0"/>
           </a:p>
@@ -8865,7 +8865,7 @@
           <a:p>
             <a:fld id="{48A87A34-81AB-432B-8DAE-1953F412C126}" type="datetimeFigureOut">
               <a:rPr lang="en-US" dirty="0"/>
-              <a:t>3/26/2021</a:t>
+              <a:t>3/26/21</a:t>
             </a:fld>
             <a:endParaRPr lang="en-US" dirty="0"/>
           </a:p>
@@ -8976,7 +8976,7 @@
           <a:noFill/>
           <a:extLst>
             <a:ext uri="{909E8E84-426E-40dd-AFC4-6F175D3DCCD1}">
-              <a14:hiddenFill xmlns:a14="http://schemas.microsoft.com/office/drawing/2010/main" xmlns="">
+              <a14:hiddenFill xmlns="" xmlns:a14="http://schemas.microsoft.com/office/drawing/2010/main">
                 <a:solidFill>
                   <a:srgbClr val="FFFFFF"/>
                 </a:solidFill>
@@ -9050,7 +9050,7 @@
               </a:ln>
               <a:extLst>
                 <a:ext uri="{91240B29-F687-4f45-9708-019B960494DF}">
-                  <a14:hiddenLine xmlns:a14="http://schemas.microsoft.com/office/drawing/2010/main" xmlns="" w="9525">
+                  <a14:hiddenLine xmlns="" xmlns:a14="http://schemas.microsoft.com/office/drawing/2010/main" w="9525">
                     <a:solidFill>
                       <a:srgbClr val="000000"/>
                     </a:solidFill>
@@ -9140,7 +9140,7 @@
               </a:ln>
               <a:extLst>
                 <a:ext uri="{91240B29-F687-4f45-9708-019B960494DF}">
-                  <a14:hiddenLine xmlns:a14="http://schemas.microsoft.com/office/drawing/2010/main" xmlns="" w="9525">
+                  <a14:hiddenLine xmlns="" xmlns:a14="http://schemas.microsoft.com/office/drawing/2010/main" w="9525">
                     <a:solidFill>
                       <a:srgbClr val="000000"/>
                     </a:solidFill>
@@ -9230,7 +9230,7 @@
               </a:ln>
               <a:extLst>
                 <a:ext uri="{91240B29-F687-4f45-9708-019B960494DF}">
-                  <a14:hiddenLine xmlns:a14="http://schemas.microsoft.com/office/drawing/2010/main" xmlns="" w="9525">
+                  <a14:hiddenLine xmlns="" xmlns:a14="http://schemas.microsoft.com/office/drawing/2010/main" w="9525">
                     <a:solidFill>
                       <a:srgbClr val="000000"/>
                     </a:solidFill>
@@ -9292,7 +9292,7 @@
               </a:ln>
               <a:extLst>
                 <a:ext uri="{91240B29-F687-4f45-9708-019B960494DF}">
-                  <a14:hiddenLine xmlns:a14="http://schemas.microsoft.com/office/drawing/2010/main" xmlns="" w="9525">
+                  <a14:hiddenLine xmlns="" xmlns:a14="http://schemas.microsoft.com/office/drawing/2010/main" w="9525">
                     <a:solidFill>
                       <a:srgbClr val="000000"/>
                     </a:solidFill>
@@ -9382,7 +9382,7 @@
               </a:ln>
               <a:extLst>
                 <a:ext uri="{91240B29-F687-4f45-9708-019B960494DF}">
-                  <a14:hiddenLine xmlns:a14="http://schemas.microsoft.com/office/drawing/2010/main" xmlns="" w="9525">
+                  <a14:hiddenLine xmlns="" xmlns:a14="http://schemas.microsoft.com/office/drawing/2010/main" w="9525">
                     <a:solidFill>
                       <a:srgbClr val="000000"/>
                     </a:solidFill>
@@ -9444,7 +9444,7 @@
               </a:ln>
               <a:extLst>
                 <a:ext uri="{91240B29-F687-4f45-9708-019B960494DF}">
-                  <a14:hiddenLine xmlns:a14="http://schemas.microsoft.com/office/drawing/2010/main" xmlns="" w="9525">
+                  <a14:hiddenLine xmlns="" xmlns:a14="http://schemas.microsoft.com/office/drawing/2010/main" w="9525">
                     <a:solidFill>
                       <a:srgbClr val="000000"/>
                     </a:solidFill>
@@ -9506,7 +9506,7 @@
               </a:ln>
               <a:extLst>
                 <a:ext uri="{91240B29-F687-4f45-9708-019B960494DF}">
-                  <a14:hiddenLine xmlns:a14="http://schemas.microsoft.com/office/drawing/2010/main" xmlns="" w="9525">
+                  <a14:hiddenLine xmlns="" xmlns:a14="http://schemas.microsoft.com/office/drawing/2010/main" w="9525">
                     <a:solidFill>
                       <a:srgbClr val="000000"/>
                     </a:solidFill>
@@ -9596,7 +9596,7 @@
               </a:ln>
               <a:extLst>
                 <a:ext uri="{91240B29-F687-4f45-9708-019B960494DF}">
-                  <a14:hiddenLine xmlns:a14="http://schemas.microsoft.com/office/drawing/2010/main" xmlns="" w="9525">
+                  <a14:hiddenLine xmlns="" xmlns:a14="http://schemas.microsoft.com/office/drawing/2010/main" w="9525">
                     <a:solidFill>
                       <a:srgbClr val="000000"/>
                     </a:solidFill>
@@ -9686,7 +9686,7 @@
               </a:ln>
               <a:extLst>
                 <a:ext uri="{91240B29-F687-4f45-9708-019B960494DF}">
-                  <a14:hiddenLine xmlns:a14="http://schemas.microsoft.com/office/drawing/2010/main" xmlns="" w="9525">
+                  <a14:hiddenLine xmlns="" xmlns:a14="http://schemas.microsoft.com/office/drawing/2010/main" w="9525">
                     <a:solidFill>
                       <a:srgbClr val="000000"/>
                     </a:solidFill>
@@ -9748,7 +9748,7 @@
               </a:ln>
               <a:extLst>
                 <a:ext uri="{91240B29-F687-4f45-9708-019B960494DF}">
-                  <a14:hiddenLine xmlns:a14="http://schemas.microsoft.com/office/drawing/2010/main" xmlns="" w="9525">
+                  <a14:hiddenLine xmlns="" xmlns:a14="http://schemas.microsoft.com/office/drawing/2010/main" w="9525">
                     <a:solidFill>
                       <a:srgbClr val="000000"/>
                     </a:solidFill>
@@ -9858,7 +9858,7 @@
               </a:ln>
               <a:extLst>
                 <a:ext uri="{91240B29-F687-4f45-9708-019B960494DF}">
-                  <a14:hiddenLine xmlns:a14="http://schemas.microsoft.com/office/drawing/2010/main" xmlns="" w="9525">
+                  <a14:hiddenLine xmlns="" xmlns:a14="http://schemas.microsoft.com/office/drawing/2010/main" w="9525">
                     <a:solidFill>
                       <a:srgbClr val="000000"/>
                     </a:solidFill>
@@ -9942,7 +9942,7 @@
               </a:ln>
               <a:extLst>
                 <a:ext uri="{91240B29-F687-4f45-9708-019B960494DF}">
-                  <a14:hiddenLine xmlns:a14="http://schemas.microsoft.com/office/drawing/2010/main" xmlns="" w="9525">
+                  <a14:hiddenLine xmlns="" xmlns:a14="http://schemas.microsoft.com/office/drawing/2010/main" w="9525">
                     <a:solidFill>
                       <a:srgbClr val="000000"/>
                     </a:solidFill>
@@ -10004,7 +10004,7 @@
               </a:ln>
               <a:extLst>
                 <a:ext uri="{91240B29-F687-4f45-9708-019B960494DF}">
-                  <a14:hiddenLine xmlns:a14="http://schemas.microsoft.com/office/drawing/2010/main" xmlns="" w="9525">
+                  <a14:hiddenLine xmlns="" xmlns:a14="http://schemas.microsoft.com/office/drawing/2010/main" w="9525">
                     <a:solidFill>
                       <a:srgbClr val="000000"/>
                     </a:solidFill>
@@ -10066,7 +10066,7 @@
               </a:ln>
               <a:extLst>
                 <a:ext uri="{91240B29-F687-4f45-9708-019B960494DF}">
-                  <a14:hiddenLine xmlns:a14="http://schemas.microsoft.com/office/drawing/2010/main" xmlns="" w="9525">
+                  <a14:hiddenLine xmlns="" xmlns:a14="http://schemas.microsoft.com/office/drawing/2010/main" w="9525">
                     <a:solidFill>
                       <a:srgbClr val="000000"/>
                     </a:solidFill>
@@ -10156,7 +10156,7 @@
               </a:ln>
               <a:extLst>
                 <a:ext uri="{91240B29-F687-4f45-9708-019B960494DF}">
-                  <a14:hiddenLine xmlns:a14="http://schemas.microsoft.com/office/drawing/2010/main" xmlns="" w="9525">
+                  <a14:hiddenLine xmlns="" xmlns:a14="http://schemas.microsoft.com/office/drawing/2010/main" w="9525">
                     <a:solidFill>
                       <a:srgbClr val="000000"/>
                     </a:solidFill>
@@ -10190,7 +10190,7 @@
               </a:ln>
               <a:extLst>
                 <a:ext uri="{91240B29-F687-4f45-9708-019B960494DF}">
-                  <a14:hiddenLine xmlns:a14="http://schemas.microsoft.com/office/drawing/2010/main" xmlns="" w="9525">
+                  <a14:hiddenLine xmlns="" xmlns:a14="http://schemas.microsoft.com/office/drawing/2010/main" w="9525">
                     <a:solidFill>
                       <a:srgbClr val="000000"/>
                     </a:solidFill>
@@ -10255,7 +10255,7 @@
               </a:ln>
               <a:extLst>
                 <a:ext uri="{91240B29-F687-4f45-9708-019B960494DF}">
-                  <a14:hiddenLine xmlns:a14="http://schemas.microsoft.com/office/drawing/2010/main" xmlns="" w="9525">
+                  <a14:hiddenLine xmlns="" xmlns:a14="http://schemas.microsoft.com/office/drawing/2010/main" w="9525">
                     <a:solidFill>
                       <a:srgbClr val="000000"/>
                     </a:solidFill>
@@ -10345,7 +10345,7 @@
               </a:ln>
               <a:extLst>
                 <a:ext uri="{91240B29-F687-4f45-9708-019B960494DF}">
-                  <a14:hiddenLine xmlns:a14="http://schemas.microsoft.com/office/drawing/2010/main" xmlns="" w="9525">
+                  <a14:hiddenLine xmlns="" xmlns:a14="http://schemas.microsoft.com/office/drawing/2010/main" w="9525">
                     <a:solidFill>
                       <a:srgbClr val="000000"/>
                     </a:solidFill>
@@ -10407,7 +10407,7 @@
               </a:ln>
               <a:extLst>
                 <a:ext uri="{91240B29-F687-4f45-9708-019B960494DF}">
-                  <a14:hiddenLine xmlns:a14="http://schemas.microsoft.com/office/drawing/2010/main" xmlns="" w="9525">
+                  <a14:hiddenLine xmlns="" xmlns:a14="http://schemas.microsoft.com/office/drawing/2010/main" w="9525">
                     <a:solidFill>
                       <a:srgbClr val="000000"/>
                     </a:solidFill>
@@ -10497,7 +10497,7 @@
               </a:ln>
               <a:extLst>
                 <a:ext uri="{91240B29-F687-4f45-9708-019B960494DF}">
-                  <a14:hiddenLine xmlns:a14="http://schemas.microsoft.com/office/drawing/2010/main" xmlns="" w="9525">
+                  <a14:hiddenLine xmlns="" xmlns:a14="http://schemas.microsoft.com/office/drawing/2010/main" w="9525">
                     <a:solidFill>
                       <a:srgbClr val="000000"/>
                     </a:solidFill>
@@ -10562,7 +10562,7 @@
               </a:ln>
               <a:extLst>
                 <a:ext uri="{91240B29-F687-4f45-9708-019B960494DF}">
-                  <a14:hiddenLine xmlns:a14="http://schemas.microsoft.com/office/drawing/2010/main" xmlns="" w="9525">
+                  <a14:hiddenLine xmlns="" xmlns:a14="http://schemas.microsoft.com/office/drawing/2010/main" w="9525">
                     <a:solidFill>
                       <a:srgbClr val="000000"/>
                     </a:solidFill>
@@ -10624,7 +10624,7 @@
               </a:ln>
               <a:extLst>
                 <a:ext uri="{91240B29-F687-4f45-9708-019B960494DF}">
-                  <a14:hiddenLine xmlns:a14="http://schemas.microsoft.com/office/drawing/2010/main" xmlns="" w="9525">
+                  <a14:hiddenLine xmlns="" xmlns:a14="http://schemas.microsoft.com/office/drawing/2010/main" w="9525">
                     <a:solidFill>
                       <a:srgbClr val="000000"/>
                     </a:solidFill>
@@ -10714,7 +10714,7 @@
               </a:ln>
               <a:extLst>
                 <a:ext uri="{91240B29-F687-4f45-9708-019B960494DF}">
-                  <a14:hiddenLine xmlns:a14="http://schemas.microsoft.com/office/drawing/2010/main" xmlns="" w="9525">
+                  <a14:hiddenLine xmlns="" xmlns:a14="http://schemas.microsoft.com/office/drawing/2010/main" w="9525">
                     <a:solidFill>
                       <a:srgbClr val="000000"/>
                     </a:solidFill>
@@ -10804,7 +10804,7 @@
               </a:ln>
               <a:extLst>
                 <a:ext uri="{91240B29-F687-4f45-9708-019B960494DF}">
-                  <a14:hiddenLine xmlns:a14="http://schemas.microsoft.com/office/drawing/2010/main" xmlns="" w="9525">
+                  <a14:hiddenLine xmlns="" xmlns:a14="http://schemas.microsoft.com/office/drawing/2010/main" w="9525">
                     <a:solidFill>
                       <a:srgbClr val="000000"/>
                     </a:solidFill>
@@ -10869,7 +10869,7 @@
               </a:ln>
               <a:extLst>
                 <a:ext uri="{91240B29-F687-4f45-9708-019B960494DF}">
-                  <a14:hiddenLine xmlns:a14="http://schemas.microsoft.com/office/drawing/2010/main" xmlns="" w="9525">
+                  <a14:hiddenLine xmlns="" xmlns:a14="http://schemas.microsoft.com/office/drawing/2010/main" w="9525">
                     <a:solidFill>
                       <a:srgbClr val="000000"/>
                     </a:solidFill>
@@ -10989,7 +10989,7 @@
               </a:ln>
               <a:extLst>
                 <a:ext uri="{91240B29-F687-4f45-9708-019B960494DF}">
-                  <a14:hiddenLine xmlns:a14="http://schemas.microsoft.com/office/drawing/2010/main" xmlns="" w="9525">
+                  <a14:hiddenLine xmlns="" xmlns:a14="http://schemas.microsoft.com/office/drawing/2010/main" w="9525">
                     <a:solidFill>
                       <a:srgbClr val="000000"/>
                     </a:solidFill>
@@ -11087,7 +11087,7 @@
               </a:ln>
               <a:extLst>
                 <a:ext uri="{91240B29-F687-4f45-9708-019B960494DF}">
-                  <a14:hiddenLine xmlns:a14="http://schemas.microsoft.com/office/drawing/2010/main" xmlns="" w="9525">
+                  <a14:hiddenLine xmlns="" xmlns:a14="http://schemas.microsoft.com/office/drawing/2010/main" w="9525">
                     <a:solidFill>
                       <a:srgbClr val="000000"/>
                     </a:solidFill>
@@ -11202,7 +11202,7 @@
               </a:ln>
               <a:extLst>
                 <a:ext uri="{91240B29-F687-4f45-9708-019B960494DF}">
-                  <a14:hiddenLine xmlns:a14="http://schemas.microsoft.com/office/drawing/2010/main" xmlns="" w="9525">
+                  <a14:hiddenLine xmlns="" xmlns:a14="http://schemas.microsoft.com/office/drawing/2010/main" w="9525">
                     <a:solidFill>
                       <a:srgbClr val="000000"/>
                     </a:solidFill>
@@ -11292,7 +11292,7 @@
               </a:ln>
               <a:extLst>
                 <a:ext uri="{91240B29-F687-4f45-9708-019B960494DF}">
-                  <a14:hiddenLine xmlns:a14="http://schemas.microsoft.com/office/drawing/2010/main" xmlns="" w="9525">
+                  <a14:hiddenLine xmlns="" xmlns:a14="http://schemas.microsoft.com/office/drawing/2010/main" w="9525">
                     <a:solidFill>
                       <a:srgbClr val="000000"/>
                     </a:solidFill>
@@ -11357,7 +11357,7 @@
               </a:ln>
               <a:extLst>
                 <a:ext uri="{91240B29-F687-4f45-9708-019B960494DF}">
-                  <a14:hiddenLine xmlns:a14="http://schemas.microsoft.com/office/drawing/2010/main" xmlns="" w="9525">
+                  <a14:hiddenLine xmlns="" xmlns:a14="http://schemas.microsoft.com/office/drawing/2010/main" w="9525">
                     <a:solidFill>
                       <a:srgbClr val="000000"/>
                     </a:solidFill>
@@ -11447,7 +11447,7 @@
               </a:ln>
               <a:extLst>
                 <a:ext uri="{91240B29-F687-4f45-9708-019B960494DF}">
-                  <a14:hiddenLine xmlns:a14="http://schemas.microsoft.com/office/drawing/2010/main" xmlns="" w="9525">
+                  <a14:hiddenLine xmlns="" xmlns:a14="http://schemas.microsoft.com/office/drawing/2010/main" w="9525">
                     <a:solidFill>
                       <a:srgbClr val="000000"/>
                     </a:solidFill>
@@ -11515,7 +11515,7 @@
               </a:ln>
               <a:extLst>
                 <a:ext uri="{91240B29-F687-4f45-9708-019B960494DF}">
-                  <a14:hiddenLine xmlns:a14="http://schemas.microsoft.com/office/drawing/2010/main" xmlns="" w="9525">
+                  <a14:hiddenLine xmlns="" xmlns:a14="http://schemas.microsoft.com/office/drawing/2010/main" w="9525">
                     <a:solidFill>
                       <a:srgbClr val="000000"/>
                     </a:solidFill>
@@ -11605,7 +11605,7 @@
               </a:ln>
               <a:extLst>
                 <a:ext uri="{91240B29-F687-4f45-9708-019B960494DF}">
-                  <a14:hiddenLine xmlns:a14="http://schemas.microsoft.com/office/drawing/2010/main" xmlns="" w="9525">
+                  <a14:hiddenLine xmlns="" xmlns:a14="http://schemas.microsoft.com/office/drawing/2010/main" w="9525">
                     <a:solidFill>
                       <a:srgbClr val="000000"/>
                     </a:solidFill>
@@ -11673,7 +11673,7 @@
               </a:ln>
               <a:extLst>
                 <a:ext uri="{91240B29-F687-4f45-9708-019B960494DF}">
-                  <a14:hiddenLine xmlns:a14="http://schemas.microsoft.com/office/drawing/2010/main" xmlns="" w="9525">
+                  <a14:hiddenLine xmlns="" xmlns:a14="http://schemas.microsoft.com/office/drawing/2010/main" w="9525">
                     <a:solidFill>
                       <a:srgbClr val="000000"/>
                     </a:solidFill>
@@ -11763,7 +11763,7 @@
               </a:ln>
               <a:extLst>
                 <a:ext uri="{91240B29-F687-4f45-9708-019B960494DF}">
-                  <a14:hiddenLine xmlns:a14="http://schemas.microsoft.com/office/drawing/2010/main" xmlns="" w="9525">
+                  <a14:hiddenLine xmlns="" xmlns:a14="http://schemas.microsoft.com/office/drawing/2010/main" w="9525">
                     <a:solidFill>
                       <a:srgbClr val="000000"/>
                     </a:solidFill>
@@ -11797,7 +11797,7 @@
               </a:ln>
               <a:extLst>
                 <a:ext uri="{91240B29-F687-4f45-9708-019B960494DF}">
-                  <a14:hiddenLine xmlns:a14="http://schemas.microsoft.com/office/drawing/2010/main" xmlns="" w="9525">
+                  <a14:hiddenLine xmlns="" xmlns:a14="http://schemas.microsoft.com/office/drawing/2010/main" w="9525">
                     <a:solidFill>
                       <a:srgbClr val="000000"/>
                     </a:solidFill>
@@ -11938,7 +11938,7 @@
             <a:fld id="{48A87A34-81AB-432B-8DAE-1953F412C126}" type="datetimeFigureOut">
               <a:rPr lang="en-US" dirty="0"/>
               <a:pPr/>
-              <a:t>3/26/2021</a:t>
+              <a:t>3/26/21</a:t>
             </a:fld>
             <a:endParaRPr lang="en-US" dirty="0"/>
           </a:p>
@@ -14582,7 +14582,7 @@
                 <a:effectLst/>
                 <a:latin typeface="-apple-system"/>
               </a:rPr>
-              <a:t>As a developer We need to create a Home page that welcomes a user to the website</a:t>
+              <a:t>As a developer, We need to create a Home page that welcomes a user to the website</a:t>
             </a:r>
           </a:p>
         </p:txBody>
@@ -14670,7 +14670,7 @@
                 <a:effectLst/>
                 <a:latin typeface="-apple-system"/>
               </a:rPr>
-              <a:t>As a developer I want to create a CSS file that will be used for the website so that I can use styling</a:t>
+              <a:t>As a developer, I want to create a CSS file that will be used for the website so that I can use styling</a:t>
             </a:r>
           </a:p>
         </p:txBody>
@@ -14763,6 +14763,42 @@
           </a:p>
         </p:txBody>
       </p:sp>
+      <p:pic>
+        <p:nvPicPr>
+          <p:cNvPr id="12" name="Graphic 11" descr="Checkmark with solid fill">
+            <a:extLst>
+              <a:ext uri="{FF2B5EF4-FFF2-40B4-BE49-F238E27FC236}">
+                <a16:creationId xmlns:a16="http://schemas.microsoft.com/office/drawing/2014/main" id="{18C52E54-6E86-A24F-A964-61B0E9CDB000}"/>
+              </a:ext>
+            </a:extLst>
+          </p:cNvPr>
+          <p:cNvPicPr>
+            <a:picLocks noChangeAspect="1"/>
+          </p:cNvPicPr>
+          <p:nvPr/>
+        </p:nvPicPr>
+        <p:blipFill>
+          <a:blip r:embed="rId2">
+            <a:extLst>
+              <a:ext uri="{96DAC541-7B7A-43D3-8B79-37D633B846F1}">
+                <asvg:svgBlip xmlns:asvg="http://schemas.microsoft.com/office/drawing/2016/SVG/main" r:embed="rId3"/>
+              </a:ext>
+            </a:extLst>
+          </a:blip>
+          <a:stretch>
+            <a:fillRect/>
+          </a:stretch>
+        </p:blipFill>
+        <p:spPr>
+          <a:xfrm>
+            <a:off x="10132377" y="2251870"/>
+            <a:ext cx="616931" cy="616931"/>
+          </a:xfrm>
+          <a:prstGeom prst="rect">
+            <a:avLst/>
+          </a:prstGeom>
+        </p:spPr>
+      </p:pic>
     </p:spTree>
     <p:extLst>
       <p:ext uri="{BB962C8B-B14F-4D97-AF65-F5344CB8AC3E}">
@@ -14873,7 +14909,7 @@
                   <a:schemeClr val="bg1"/>
                 </a:solidFill>
               </a:rPr>
-              <a:t>Sprint 23 March – 3 April</a:t>
+              <a:t>Sprint 5 April – 17 April</a:t>
             </a:r>
           </a:p>
           <a:p>
@@ -14883,17 +14919,17 @@
                   <a:schemeClr val="bg1"/>
                 </a:solidFill>
               </a:rPr>
-              <a:t>CAP Sprint Home Page</a:t>
+              <a:t>CAP Sprint Django-Apache</a:t>
             </a:r>
           </a:p>
         </p:txBody>
       </p:sp>
       <p:sp>
         <p:nvSpPr>
-          <p:cNvPr id="6" name="Rectangle 5">
+          <p:cNvPr id="14" name="Rectangle 13">
             <a:extLst>
               <a:ext uri="{FF2B5EF4-FFF2-40B4-BE49-F238E27FC236}">
-                <a16:creationId xmlns:a16="http://schemas.microsoft.com/office/drawing/2014/main" id="{41285D28-649F-472D-A905-DB793725A1A6}"/>
+                <a16:creationId xmlns:a16="http://schemas.microsoft.com/office/drawing/2014/main" id="{59D2D186-469A-FA44-B83B-38952A7155FF}"/>
               </a:ext>
             </a:extLst>
           </p:cNvPr>
@@ -14902,8 +14938,8 @@
         </p:nvSpPr>
         <p:spPr>
           <a:xfrm>
-            <a:off x="2419795" y="2293712"/>
-            <a:ext cx="7587049" cy="575089"/>
+            <a:off x="2302476" y="2411268"/>
+            <a:ext cx="7587048" cy="500539"/>
           </a:xfrm>
           <a:prstGeom prst="rect">
             <a:avLst/>
@@ -14936,10 +14972,10 @@
       </p:sp>
       <p:sp>
         <p:nvSpPr>
-          <p:cNvPr id="7" name="TextBox 6">
+          <p:cNvPr id="15" name="TextBox 14">
             <a:extLst>
               <a:ext uri="{FF2B5EF4-FFF2-40B4-BE49-F238E27FC236}">
-                <a16:creationId xmlns:a16="http://schemas.microsoft.com/office/drawing/2014/main" id="{F6FFDCC5-5672-47A3-8A42-704CA277A0F9}"/>
+                <a16:creationId xmlns:a16="http://schemas.microsoft.com/office/drawing/2014/main" id="{6844CB98-2DD3-EB4D-AFE7-B3E758A62732}"/>
               </a:ext>
             </a:extLst>
           </p:cNvPr>
@@ -14948,8 +14984,8 @@
         </p:nvSpPr>
         <p:spPr>
           <a:xfrm>
-            <a:off x="2545328" y="2302141"/>
-            <a:ext cx="7154561" cy="584775"/>
+            <a:off x="2302475" y="2492260"/>
+            <a:ext cx="7525265" cy="338554"/>
           </a:xfrm>
           <a:prstGeom prst="rect">
             <a:avLst/>
@@ -14968,17 +15004,17 @@
                   <a:schemeClr val="bg1"/>
                 </a:solidFill>
               </a:rPr>
-              <a:t>As a developer I want to Determine how the frontend will be formatted so that we know what type of website to create</a:t>
+              <a:t>As a developer, I want to create a reservation page that allows users to make reservations</a:t>
             </a:r>
           </a:p>
         </p:txBody>
       </p:sp>
       <p:sp>
         <p:nvSpPr>
-          <p:cNvPr id="8" name="Rectangle 7">
+          <p:cNvPr id="16" name="Rectangle 15">
             <a:extLst>
               <a:ext uri="{FF2B5EF4-FFF2-40B4-BE49-F238E27FC236}">
-                <a16:creationId xmlns:a16="http://schemas.microsoft.com/office/drawing/2014/main" id="{DB21576C-D0AF-4B85-86E9-D56F199F077B}"/>
+                <a16:creationId xmlns:a16="http://schemas.microsoft.com/office/drawing/2014/main" id="{78A19F0A-E642-DA45-B612-245033F2434B}"/>
               </a:ext>
             </a:extLst>
           </p:cNvPr>
@@ -14987,8 +15023,8 @@
         </p:nvSpPr>
         <p:spPr>
           <a:xfrm>
-            <a:off x="2417829" y="3010089"/>
-            <a:ext cx="7587049" cy="500539"/>
+            <a:off x="2302475" y="2992799"/>
+            <a:ext cx="7587047" cy="500539"/>
           </a:xfrm>
           <a:prstGeom prst="rect">
             <a:avLst/>
@@ -15021,10 +15057,10 @@
       </p:sp>
       <p:sp>
         <p:nvSpPr>
-          <p:cNvPr id="9" name="TextBox 8">
+          <p:cNvPr id="17" name="TextBox 16">
             <a:extLst>
               <a:ext uri="{FF2B5EF4-FFF2-40B4-BE49-F238E27FC236}">
-                <a16:creationId xmlns:a16="http://schemas.microsoft.com/office/drawing/2014/main" id="{562677FA-E3DC-4FE6-9B87-78C7A5CAA2EA}"/>
+                <a16:creationId xmlns:a16="http://schemas.microsoft.com/office/drawing/2014/main" id="{805A7C9D-5AE1-AC45-B258-7DBFEBB7EA00}"/>
               </a:ext>
             </a:extLst>
           </p:cNvPr>
@@ -15033,8 +15069,8 @@
         </p:nvSpPr>
         <p:spPr>
           <a:xfrm>
-            <a:off x="2517426" y="3109197"/>
-            <a:ext cx="7463482" cy="338554"/>
+            <a:off x="2302474" y="3000196"/>
+            <a:ext cx="7587047" cy="338554"/>
           </a:xfrm>
           <a:prstGeom prst="rect">
             <a:avLst/>
@@ -15047,26 +15083,23 @@
           </a:bodyPr>
           <a:lstStyle/>
           <a:p>
-            <a:pPr algn="l"/>
             <a:r>
-              <a:rPr lang="en-US" sz="1600" b="0" i="0" dirty="0">
+              <a:rPr lang="en-US" sz="1600" dirty="0">
                 <a:solidFill>
                   <a:schemeClr val="bg1"/>
                 </a:solidFill>
-                <a:effectLst/>
-                <a:latin typeface="-apple-system"/>
               </a:rPr>
-              <a:t>As a developer We need to create a Home page that welcomes a user to the website</a:t>
+              <a:t>As a developer, I want to create a menu page that will use an API to gets its data</a:t>
             </a:r>
           </a:p>
         </p:txBody>
       </p:sp>
       <p:sp>
         <p:nvSpPr>
-          <p:cNvPr id="10" name="Rectangle 9">
+          <p:cNvPr id="18" name="Rectangle 17">
             <a:extLst>
               <a:ext uri="{FF2B5EF4-FFF2-40B4-BE49-F238E27FC236}">
-                <a16:creationId xmlns:a16="http://schemas.microsoft.com/office/drawing/2014/main" id="{37D3DE8B-903B-4251-BD66-45161ACB9EF2}"/>
+                <a16:creationId xmlns:a16="http://schemas.microsoft.com/office/drawing/2014/main" id="{6D0A9A00-0520-8C42-81D0-84A1A5511D29}"/>
               </a:ext>
             </a:extLst>
           </p:cNvPr>
@@ -15075,8 +15108,8 @@
         </p:nvSpPr>
         <p:spPr>
           <a:xfrm>
-            <a:off x="2419795" y="3633801"/>
-            <a:ext cx="7587049" cy="552404"/>
+            <a:off x="2302474" y="3574330"/>
+            <a:ext cx="7587045" cy="665767"/>
           </a:xfrm>
           <a:prstGeom prst="rect">
             <a:avLst/>
@@ -15109,10 +15142,10 @@
       </p:sp>
       <p:sp>
         <p:nvSpPr>
-          <p:cNvPr id="11" name="TextBox 10">
+          <p:cNvPr id="19" name="TextBox 18">
             <a:extLst>
               <a:ext uri="{FF2B5EF4-FFF2-40B4-BE49-F238E27FC236}">
-                <a16:creationId xmlns:a16="http://schemas.microsoft.com/office/drawing/2014/main" id="{0B2E1803-4494-4D52-8C44-05C10190A2F5}"/>
+                <a16:creationId xmlns:a16="http://schemas.microsoft.com/office/drawing/2014/main" id="{D7AF8E34-C07D-8744-A1E9-F3BD39B22CAB}"/>
               </a:ext>
             </a:extLst>
           </p:cNvPr>
@@ -15121,8 +15154,8 @@
         </p:nvSpPr>
         <p:spPr>
           <a:xfrm>
-            <a:off x="2502314" y="3640305"/>
-            <a:ext cx="7154561" cy="584775"/>
+            <a:off x="2378106" y="3655322"/>
+            <a:ext cx="7340325" cy="584775"/>
           </a:xfrm>
           <a:prstGeom prst="rect">
             <a:avLst/>
@@ -15135,26 +15168,23 @@
           </a:bodyPr>
           <a:lstStyle/>
           <a:p>
-            <a:pPr algn="l"/>
             <a:r>
-              <a:rPr lang="en-US" sz="1600" b="0" i="0" dirty="0">
+              <a:rPr lang="en-US" sz="1600" dirty="0">
                 <a:solidFill>
                   <a:schemeClr val="bg1"/>
                 </a:solidFill>
-                <a:effectLst/>
-                <a:latin typeface="-apple-system"/>
               </a:rPr>
-              <a:t>As a developer I want to create a CSS file that will be used for the website so that I can use styling</a:t>
+              <a:t>As a developer, I want to create an about page that displays information of the restaurant</a:t>
             </a:r>
           </a:p>
         </p:txBody>
       </p:sp>
       <p:sp>
         <p:nvSpPr>
-          <p:cNvPr id="12" name="Rectangle 11">
+          <p:cNvPr id="22" name="Rectangle 21">
             <a:extLst>
               <a:ext uri="{FF2B5EF4-FFF2-40B4-BE49-F238E27FC236}">
-                <a16:creationId xmlns:a16="http://schemas.microsoft.com/office/drawing/2014/main" id="{9FD54854-17F7-4232-85E9-00DF53C507DA}"/>
+                <a16:creationId xmlns:a16="http://schemas.microsoft.com/office/drawing/2014/main" id="{9D56F141-A1A0-0C4D-BF5E-711FE03DAA99}"/>
               </a:ext>
             </a:extLst>
           </p:cNvPr>
@@ -15163,8 +15193,8 @@
         </p:nvSpPr>
         <p:spPr>
           <a:xfrm>
-            <a:off x="2419795" y="4286638"/>
-            <a:ext cx="7587049" cy="665829"/>
+            <a:off x="2302474" y="4310449"/>
+            <a:ext cx="7587046" cy="834805"/>
           </a:xfrm>
           <a:prstGeom prst="rect">
             <a:avLst/>
@@ -15197,10 +15227,10 @@
       </p:sp>
       <p:sp>
         <p:nvSpPr>
-          <p:cNvPr id="13" name="TextBox 12">
+          <p:cNvPr id="23" name="TextBox 22">
             <a:extLst>
               <a:ext uri="{FF2B5EF4-FFF2-40B4-BE49-F238E27FC236}">
-                <a16:creationId xmlns:a16="http://schemas.microsoft.com/office/drawing/2014/main" id="{20FB2DE6-5203-4F77-B3A7-2C365EEA8C75}"/>
+                <a16:creationId xmlns:a16="http://schemas.microsoft.com/office/drawing/2014/main" id="{000EB79C-8E8D-2344-AE43-CD6EBAD08E7F}"/>
               </a:ext>
             </a:extLst>
           </p:cNvPr>
@@ -15209,8 +15239,8 @@
         </p:nvSpPr>
         <p:spPr>
           <a:xfrm>
-            <a:off x="2543362" y="4296386"/>
-            <a:ext cx="7463482" cy="584775"/>
+            <a:off x="2378106" y="4449927"/>
+            <a:ext cx="6721564" cy="584775"/>
           </a:xfrm>
           <a:prstGeom prst="rect">
             <a:avLst/>
@@ -15223,16 +15253,114 @@
           </a:bodyPr>
           <a:lstStyle/>
           <a:p>
-            <a:pPr algn="l"/>
             <a:r>
-              <a:rPr lang="en-US" sz="1600" b="0" i="0" dirty="0">
+              <a:rPr lang="en-US" sz="1600" dirty="0">
                 <a:solidFill>
                   <a:schemeClr val="bg1"/>
                 </a:solidFill>
-                <a:effectLst/>
-                <a:latin typeface="-apple-system"/>
               </a:rPr>
-              <a:t>As a developer, I want to connect the HTML and CSS pages to the backend so that the pages can display on the screen</a:t>
+              <a:t>As a developer, I want to create a </a:t>
+            </a:r>
+            <a:r>
+              <a:rPr lang="en-US" sz="1600" dirty="0" err="1">
+                <a:solidFill>
+                  <a:schemeClr val="bg1"/>
+                </a:solidFill>
+              </a:rPr>
+              <a:t>dockerfile</a:t>
+            </a:r>
+            <a:r>
+              <a:rPr lang="en-US" sz="1600" dirty="0">
+                <a:solidFill>
+                  <a:schemeClr val="bg1"/>
+                </a:solidFill>
+              </a:rPr>
+              <a:t> for the Django project so that I can run it on docker</a:t>
+            </a:r>
+          </a:p>
+        </p:txBody>
+      </p:sp>
+      <p:sp>
+        <p:nvSpPr>
+          <p:cNvPr id="24" name="Rectangle 23">
+            <a:extLst>
+              <a:ext uri="{FF2B5EF4-FFF2-40B4-BE49-F238E27FC236}">
+                <a16:creationId xmlns:a16="http://schemas.microsoft.com/office/drawing/2014/main" id="{4D6BA698-54B0-3F42-914D-0652B78D6746}"/>
+              </a:ext>
+            </a:extLst>
+          </p:cNvPr>
+          <p:cNvSpPr/>
+          <p:nvPr/>
+        </p:nvSpPr>
+        <p:spPr>
+          <a:xfrm>
+            <a:off x="2284658" y="5215605"/>
+            <a:ext cx="7604862" cy="639795"/>
+          </a:xfrm>
+          <a:prstGeom prst="rect">
+            <a:avLst/>
+          </a:prstGeom>
+        </p:spPr>
+        <p:style>
+          <a:lnRef idx="2">
+            <a:schemeClr val="accent1">
+              <a:shade val="50000"/>
+            </a:schemeClr>
+          </a:lnRef>
+          <a:fillRef idx="1">
+            <a:schemeClr val="accent1"/>
+          </a:fillRef>
+          <a:effectRef idx="0">
+            <a:schemeClr val="accent1"/>
+          </a:effectRef>
+          <a:fontRef idx="minor">
+            <a:schemeClr val="lt1"/>
+          </a:fontRef>
+        </p:style>
+        <p:txBody>
+          <a:bodyPr rtlCol="0" anchor="ctr"/>
+          <a:lstStyle/>
+          <a:p>
+            <a:pPr algn="ctr"/>
+            <a:endParaRPr lang="en-US"/>
+          </a:p>
+        </p:txBody>
+      </p:sp>
+      <p:sp>
+        <p:nvSpPr>
+          <p:cNvPr id="25" name="TextBox 24">
+            <a:extLst>
+              <a:ext uri="{FF2B5EF4-FFF2-40B4-BE49-F238E27FC236}">
+                <a16:creationId xmlns:a16="http://schemas.microsoft.com/office/drawing/2014/main" id="{3E716E9D-E55C-9748-9057-F59CCCC5CCC5}"/>
+              </a:ext>
+            </a:extLst>
+          </p:cNvPr>
+          <p:cNvSpPr txBox="1"/>
+          <p:nvPr/>
+        </p:nvSpPr>
+        <p:spPr>
+          <a:xfrm>
+            <a:off x="2378106" y="5318661"/>
+            <a:ext cx="6996933" cy="338554"/>
+          </a:xfrm>
+          <a:prstGeom prst="rect">
+            <a:avLst/>
+          </a:prstGeom>
+          <a:noFill/>
+        </p:spPr>
+        <p:txBody>
+          <a:bodyPr wrap="square" rtlCol="0">
+            <a:spAutoFit/>
+          </a:bodyPr>
+          <a:lstStyle/>
+          <a:p>
+            <a:r>
+              <a:rPr lang="en-US" sz="1600" dirty="0">
+                <a:solidFill>
+                  <a:schemeClr val="bg1"/>
+                </a:solidFill>
+              </a:rPr>
+              <a:t>As a developer create an Apache docker container</a:t>
             </a:r>
           </a:p>
         </p:txBody>
